--- a/presentation for app.pptx
+++ b/presentation for app.pptx
@@ -200,7 +200,7 @@
           <a:p>
             <a:fld id="{EC807FCE-BB92-41D7-9FD6-8F89A4667B67}" type="datetimeFigureOut">
               <a:rPr lang="en-IN" smtClean="0"/>
-              <a:t>24-06-2020</a:t>
+              <a:t>25-06-2020</a:t>
             </a:fld>
             <a:endParaRPr lang="en-IN"/>
           </a:p>
@@ -817,7 +817,7 @@
           <a:p>
             <a:fld id="{959071C1-7121-4F49-AA23-FD3725E89E1F}" type="datetimeFigureOut">
               <a:rPr lang="en-IN" smtClean="0"/>
-              <a:t>24-06-2020</a:t>
+              <a:t>25-06-2020</a:t>
             </a:fld>
             <a:endParaRPr lang="en-IN"/>
           </a:p>
@@ -987,7 +987,7 @@
           <a:p>
             <a:fld id="{959071C1-7121-4F49-AA23-FD3725E89E1F}" type="datetimeFigureOut">
               <a:rPr lang="en-IN" smtClean="0"/>
-              <a:t>24-06-2020</a:t>
+              <a:t>25-06-2020</a:t>
             </a:fld>
             <a:endParaRPr lang="en-IN"/>
           </a:p>
@@ -1167,7 +1167,7 @@
           <a:p>
             <a:fld id="{959071C1-7121-4F49-AA23-FD3725E89E1F}" type="datetimeFigureOut">
               <a:rPr lang="en-IN" smtClean="0"/>
-              <a:t>24-06-2020</a:t>
+              <a:t>25-06-2020</a:t>
             </a:fld>
             <a:endParaRPr lang="en-IN"/>
           </a:p>
@@ -1337,7 +1337,7 @@
           <a:p>
             <a:fld id="{959071C1-7121-4F49-AA23-FD3725E89E1F}" type="datetimeFigureOut">
               <a:rPr lang="en-IN" smtClean="0"/>
-              <a:t>24-06-2020</a:t>
+              <a:t>25-06-2020</a:t>
             </a:fld>
             <a:endParaRPr lang="en-IN"/>
           </a:p>
@@ -1583,7 +1583,7 @@
           <a:p>
             <a:fld id="{959071C1-7121-4F49-AA23-FD3725E89E1F}" type="datetimeFigureOut">
               <a:rPr lang="en-IN" smtClean="0"/>
-              <a:t>24-06-2020</a:t>
+              <a:t>25-06-2020</a:t>
             </a:fld>
             <a:endParaRPr lang="en-IN"/>
           </a:p>
@@ -1871,7 +1871,7 @@
           <a:p>
             <a:fld id="{959071C1-7121-4F49-AA23-FD3725E89E1F}" type="datetimeFigureOut">
               <a:rPr lang="en-IN" smtClean="0"/>
-              <a:t>24-06-2020</a:t>
+              <a:t>25-06-2020</a:t>
             </a:fld>
             <a:endParaRPr lang="en-IN"/>
           </a:p>
@@ -2298,7 +2298,7 @@
           <a:p>
             <a:fld id="{959071C1-7121-4F49-AA23-FD3725E89E1F}" type="datetimeFigureOut">
               <a:rPr lang="en-IN" smtClean="0"/>
-              <a:t>24-06-2020</a:t>
+              <a:t>25-06-2020</a:t>
             </a:fld>
             <a:endParaRPr lang="en-IN"/>
           </a:p>
@@ -2416,7 +2416,7 @@
           <a:p>
             <a:fld id="{959071C1-7121-4F49-AA23-FD3725E89E1F}" type="datetimeFigureOut">
               <a:rPr lang="en-IN" smtClean="0"/>
-              <a:t>24-06-2020</a:t>
+              <a:t>25-06-2020</a:t>
             </a:fld>
             <a:endParaRPr lang="en-IN"/>
           </a:p>
@@ -2511,7 +2511,7 @@
           <a:p>
             <a:fld id="{959071C1-7121-4F49-AA23-FD3725E89E1F}" type="datetimeFigureOut">
               <a:rPr lang="en-IN" smtClean="0"/>
-              <a:t>24-06-2020</a:t>
+              <a:t>25-06-2020</a:t>
             </a:fld>
             <a:endParaRPr lang="en-IN"/>
           </a:p>
@@ -2788,7 +2788,7 @@
           <a:p>
             <a:fld id="{959071C1-7121-4F49-AA23-FD3725E89E1F}" type="datetimeFigureOut">
               <a:rPr lang="en-IN" smtClean="0"/>
-              <a:t>24-06-2020</a:t>
+              <a:t>25-06-2020</a:t>
             </a:fld>
             <a:endParaRPr lang="en-IN"/>
           </a:p>
@@ -3041,7 +3041,7 @@
           <a:p>
             <a:fld id="{959071C1-7121-4F49-AA23-FD3725E89E1F}" type="datetimeFigureOut">
               <a:rPr lang="en-IN" smtClean="0"/>
-              <a:t>24-06-2020</a:t>
+              <a:t>25-06-2020</a:t>
             </a:fld>
             <a:endParaRPr lang="en-IN"/>
           </a:p>
@@ -3254,7 +3254,7 @@
           <a:p>
             <a:fld id="{959071C1-7121-4F49-AA23-FD3725E89E1F}" type="datetimeFigureOut">
               <a:rPr lang="en-IN" smtClean="0"/>
-              <a:t>24-06-2020</a:t>
+              <a:t>25-06-2020</a:t>
             </a:fld>
             <a:endParaRPr lang="en-IN"/>
           </a:p>
@@ -4640,13 +4640,8 @@
             <a:pPr algn="ctr"/>
             <a:r>
               <a:rPr lang="en-IN" sz="1100" dirty="0"/>
-              <a:t>Business Name</a:t>
-            </a:r>
-            <a:r>
-              <a:rPr lang="en-IN" sz="1100" dirty="0"/>
-              <a:t> </a:t>
-            </a:r>
-            <a:endParaRPr lang="en-IN" sz="1100" dirty="0"/>
+              <a:t>Business Name </a:t>
+            </a:r>
           </a:p>
         </p:txBody>
       </p:sp>
@@ -4728,13 +4723,8 @@
             <a:pPr algn="ctr"/>
             <a:r>
               <a:rPr lang="en-IN" sz="1400" dirty="0"/>
-              <a:t>Business Category</a:t>
-            </a:r>
-            <a:r>
-              <a:rPr lang="en-IN" sz="1400" dirty="0"/>
-              <a:t> </a:t>
-            </a:r>
-            <a:endParaRPr lang="en-IN" sz="1400" dirty="0"/>
+              <a:t>Business Category </a:t>
+            </a:r>
           </a:p>
         </p:txBody>
       </p:sp>
